--- a/tests/testthat/testOutput/flextab2.pptx
+++ b/tests/testthat/testOutput/flextab2.pptx
@@ -25890,7 +25890,7 @@
                           <a:ea typeface="DejaVu Sans"/>
                           <a:sym typeface="DejaVu Sans"/>
                         </a:rPr>
-                        <a:t>test_writeFlextab.R</a:t>
+                        <a:t>test_ftwrite.R</a:t>
                       </a:r>
                       <a:br>
                         <a:rPr cap="none" sz="600" i="0" b="0" u="none">
@@ -25974,7 +25974,7 @@
                           <a:ea typeface="DejaVu Sans"/>
                           <a:sym typeface="DejaVu Sans"/>
                         </a:rPr>
-                        <a:t>test_writeFlextab.R</a:t>
+                        <a:t>test_ftwrite.R</a:t>
                       </a:r>
                       <a:br>
                         <a:rPr cap="none" sz="600" i="0" b="0" u="none">
@@ -26058,7 +26058,7 @@
                           <a:ea typeface="DejaVu Sans"/>
                           <a:sym typeface="DejaVu Sans"/>
                         </a:rPr>
-                        <a:t>test_writeFlextab.R</a:t>
+                        <a:t>test_ftwrite.R</a:t>
                       </a:r>
                       <a:br>
                         <a:rPr cap="none" sz="600" i="0" b="0" u="none">
@@ -26142,7 +26142,7 @@
                           <a:ea typeface="DejaVu Sans"/>
                           <a:sym typeface="DejaVu Sans"/>
                         </a:rPr>
-                        <a:t>test_writeFlextab.R</a:t>
+                        <a:t>test_ftwrite.R</a:t>
                       </a:r>
                       <a:br>
                         <a:rPr cap="none" sz="600" i="0" b="0" u="none">
@@ -26226,7 +26226,7 @@
                           <a:ea typeface="DejaVu Sans"/>
                           <a:sym typeface="DejaVu Sans"/>
                         </a:rPr>
-                        <a:t>test_writeFlextab.R</a:t>
+                        <a:t>test_ftwrite.R</a:t>
                       </a:r>
                       <a:br>
                         <a:rPr cap="none" sz="600" i="0" b="0" u="none">
@@ -26310,7 +26310,7 @@
                           <a:ea typeface="DejaVu Sans"/>
                           <a:sym typeface="DejaVu Sans"/>
                         </a:rPr>
-                        <a:t>test_writeFlextab.R</a:t>
+                        <a:t>test_ftwrite.R</a:t>
                       </a:r>
                       <a:br>
                         <a:rPr cap="none" sz="600" i="0" b="0" u="none">
@@ -26394,7 +26394,7 @@
                           <a:ea typeface="DejaVu Sans"/>
                           <a:sym typeface="DejaVu Sans"/>
                         </a:rPr>
-                        <a:t>test_writeFlextab.R</a:t>
+                        <a:t>test_ftwrite.R</a:t>
                       </a:r>
                       <a:br>
                         <a:rPr cap="none" sz="600" i="0" b="0" u="none">
@@ -26478,7 +26478,7 @@
                           <a:ea typeface="DejaVu Sans"/>
                           <a:sym typeface="DejaVu Sans"/>
                         </a:rPr>
-                        <a:t>test_writeFlextab.R</a:t>
+                        <a:t>test_ftwrite.R</a:t>
                       </a:r>
                       <a:br>
                         <a:rPr cap="none" sz="600" i="0" b="0" u="none">
@@ -26562,7 +26562,7 @@
                           <a:ea typeface="DejaVu Sans"/>
                           <a:sym typeface="DejaVu Sans"/>
                         </a:rPr>
-                        <a:t>test_writeFlextab.R</a:t>
+                        <a:t>test_ftwrite.R</a:t>
                       </a:r>
                       <a:br>
                         <a:rPr cap="none" sz="600" i="0" b="0" u="none">
@@ -26646,7 +26646,7 @@
                           <a:ea typeface="DejaVu Sans"/>
                           <a:sym typeface="DejaVu Sans"/>
                         </a:rPr>
-                        <a:t>test_writeFlextab.R</a:t>
+                        <a:t>test_ftwrite.R</a:t>
                       </a:r>
                       <a:br>
                         <a:rPr cap="none" sz="600" i="0" b="0" u="none">
@@ -26730,7 +26730,7 @@
                           <a:ea typeface="DejaVu Sans"/>
                           <a:sym typeface="DejaVu Sans"/>
                         </a:rPr>
-                        <a:t>test_writeFlextab.R</a:t>
+                        <a:t>test_ftwrite.R</a:t>
                       </a:r>
                       <a:br>
                         <a:rPr cap="none" sz="600" i="0" b="0" u="none">
